--- a/lesson13.pptx
+++ b/lesson13.pptx
@@ -150,8 +150,64 @@
 </p:presentation>
 </file>
 
+<file path=ppt/revisionInfo.xml><?xml version="1.0" encoding="utf-8"?>
+<p1510:revInfo xmlns:a="http://schemas.openxmlformats.org/drawingml/2006/main" xmlns:r="http://schemas.openxmlformats.org/officeDocument/2006/relationships" xmlns:p1510="http://schemas.microsoft.com/office/powerpoint/2015/10/main">
+  <p1510:revLst>
+    <p1510:client id="{C618C0A8-6130-40AB-AC00-BED736D2C6E6}" v="1" dt="2021-03-15T21:21:39.109"/>
+  </p1510:revLst>
+</p1510:revInfo>
+</file>
+
 <file path=ppt/changesInfos/changesInfo1.xml><?xml version="1.0" encoding="utf-8"?>
 <pc:chgInfo xmlns:a="http://schemas.openxmlformats.org/drawingml/2006/main" xmlns:r="http://schemas.openxmlformats.org/officeDocument/2006/relationships" xmlns:ac="http://schemas.microsoft.com/office/drawing/2013/main/command" xmlns:pc="http://schemas.microsoft.com/office/powerpoint/2013/main/command">
+  <pc:docChgLst>
+    <pc:chgData name="Anatoliy Kigel" userId="7432c6c4687b0a9c" providerId="LiveId" clId="{C618C0A8-6130-40AB-AC00-BED736D2C6E6}"/>
+    <pc:docChg chg="modSld">
+      <pc:chgData name="Anatoliy Kigel" userId="7432c6c4687b0a9c" providerId="LiveId" clId="{C618C0A8-6130-40AB-AC00-BED736D2C6E6}" dt="2021-03-15T21:23:00.855" v="104" actId="1076"/>
+      <pc:docMkLst>
+        <pc:docMk/>
+      </pc:docMkLst>
+      <pc:sldChg chg="addSp modSp mod">
+        <pc:chgData name="Anatoliy Kigel" userId="7432c6c4687b0a9c" providerId="LiveId" clId="{C618C0A8-6130-40AB-AC00-BED736D2C6E6}" dt="2021-03-15T21:23:00.855" v="104" actId="1076"/>
+        <pc:sldMkLst>
+          <pc:docMk/>
+          <pc:sldMk cId="1824022148" sldId="706"/>
+        </pc:sldMkLst>
+        <pc:spChg chg="mod">
+          <ac:chgData name="Anatoliy Kigel" userId="7432c6c4687b0a9c" providerId="LiveId" clId="{C618C0A8-6130-40AB-AC00-BED736D2C6E6}" dt="2021-03-15T21:21:32.074" v="2" actId="1035"/>
+          <ac:spMkLst>
+            <pc:docMk/>
+            <pc:sldMk cId="1824022148" sldId="706"/>
+            <ac:spMk id="2" creationId="{00000000-0000-0000-0000-000000000000}"/>
+          </ac:spMkLst>
+        </pc:spChg>
+        <pc:spChg chg="mod">
+          <ac:chgData name="Anatoliy Kigel" userId="7432c6c4687b0a9c" providerId="LiveId" clId="{C618C0A8-6130-40AB-AC00-BED736D2C6E6}" dt="2021-03-15T21:21:34.280" v="7" actId="1035"/>
+          <ac:spMkLst>
+            <pc:docMk/>
+            <pc:sldMk cId="1824022148" sldId="706"/>
+            <ac:spMk id="4" creationId="{00000000-0000-0000-0000-000000000000}"/>
+          </ac:spMkLst>
+        </pc:spChg>
+        <pc:spChg chg="add mod">
+          <ac:chgData name="Anatoliy Kigel" userId="7432c6c4687b0a9c" providerId="LiveId" clId="{C618C0A8-6130-40AB-AC00-BED736D2C6E6}" dt="2021-03-15T21:23:00.855" v="104" actId="1076"/>
+          <ac:spMkLst>
+            <pc:docMk/>
+            <pc:sldMk cId="1824022148" sldId="706"/>
+            <ac:spMk id="5" creationId="{FF1D8A7E-1BD3-490D-BD6A-3272323C9839}"/>
+          </ac:spMkLst>
+        </pc:spChg>
+        <pc:spChg chg="mod">
+          <ac:chgData name="Anatoliy Kigel" userId="7432c6c4687b0a9c" providerId="LiveId" clId="{C618C0A8-6130-40AB-AC00-BED736D2C6E6}" dt="2021-03-15T21:22:56.167" v="98" actId="14100"/>
+          <ac:spMkLst>
+            <pc:docMk/>
+            <pc:sldMk cId="1824022148" sldId="706"/>
+            <ac:spMk id="9" creationId="{00000000-0000-0000-0000-000000000000}"/>
+          </ac:spMkLst>
+        </pc:spChg>
+      </pc:sldChg>
+    </pc:docChg>
+  </pc:docChgLst>
   <pc:docChgLst>
     <pc:chgData name="Anatoliy Kigel" userId="7432c6c4687b0a9c" providerId="LiveId" clId="{67F24D55-3CEC-4EC8-94DD-40D4212F5286}"/>
     <pc:docChg chg="custSel modSld">
@@ -309,7 +365,7 @@
             <a:fld id="{85522811-C5C6-42D2-A409-F8556720C93F}" type="datetimeFigureOut">
               <a:rPr lang="uk-UA" smtClean="0"/>
               <a:pPr/>
-              <a:t>08.02.2021</a:t>
+              <a:t>15.03.2021</a:t>
             </a:fld>
             <a:endParaRPr lang="uk-UA"/>
           </a:p>
@@ -854,7 +910,7 @@
             <a:fld id="{0A2E6AC4-C3FE-4E70-88D1-136405B25267}" type="datetime1">
               <a:rPr lang="uk-UA" smtClean="0"/>
               <a:pPr/>
-              <a:t>08.02.2021</a:t>
+              <a:t>15.03.2021</a:t>
             </a:fld>
             <a:endParaRPr lang="uk-UA"/>
           </a:p>
@@ -1021,7 +1077,7 @@
             <a:fld id="{B4D85949-5AE9-41F1-B18C-DA1006B0E8CC}" type="datetime1">
               <a:rPr lang="uk-UA" smtClean="0"/>
               <a:pPr/>
-              <a:t>08.02.2021</a:t>
+              <a:t>15.03.2021</a:t>
             </a:fld>
             <a:endParaRPr lang="uk-UA"/>
           </a:p>
@@ -1198,7 +1254,7 @@
             <a:fld id="{B20C227C-94C5-4BA1-A89C-1C7570144B22}" type="datetime1">
               <a:rPr lang="uk-UA" smtClean="0"/>
               <a:pPr/>
-              <a:t>08.02.2021</a:t>
+              <a:t>15.03.2021</a:t>
             </a:fld>
             <a:endParaRPr lang="uk-UA"/>
           </a:p>
@@ -1365,7 +1421,7 @@
             <a:fld id="{68E2E168-B245-4D8D-8538-B29990DBF87B}" type="datetime1">
               <a:rPr lang="uk-UA" smtClean="0"/>
               <a:pPr/>
-              <a:t>08.02.2021</a:t>
+              <a:t>15.03.2021</a:t>
             </a:fld>
             <a:endParaRPr lang="uk-UA"/>
           </a:p>
@@ -1608,7 +1664,7 @@
             <a:fld id="{356DAF6E-7007-4E61-B36E-794BF232B234}" type="datetime1">
               <a:rPr lang="uk-UA" smtClean="0"/>
               <a:pPr/>
-              <a:t>08.02.2021</a:t>
+              <a:t>15.03.2021</a:t>
             </a:fld>
             <a:endParaRPr lang="uk-UA"/>
           </a:p>
@@ -1893,7 +1949,7 @@
             <a:fld id="{4B2141DD-FE72-44AA-B946-B70892F1F5B7}" type="datetime1">
               <a:rPr lang="uk-UA" smtClean="0"/>
               <a:pPr/>
-              <a:t>08.02.2021</a:t>
+              <a:t>15.03.2021</a:t>
             </a:fld>
             <a:endParaRPr lang="uk-UA"/>
           </a:p>
@@ -2312,7 +2368,7 @@
             <a:fld id="{D1C4DC7C-6CC4-4D1F-A21B-A650800E0532}" type="datetime1">
               <a:rPr lang="uk-UA" smtClean="0"/>
               <a:pPr/>
-              <a:t>08.02.2021</a:t>
+              <a:t>15.03.2021</a:t>
             </a:fld>
             <a:endParaRPr lang="uk-UA"/>
           </a:p>
@@ -2427,7 +2483,7 @@
             <a:fld id="{09E753FA-BE70-4E9D-A1A2-A798C2E22C2C}" type="datetime1">
               <a:rPr lang="uk-UA" smtClean="0"/>
               <a:pPr/>
-              <a:t>08.02.2021</a:t>
+              <a:t>15.03.2021</a:t>
             </a:fld>
             <a:endParaRPr lang="uk-UA"/>
           </a:p>
@@ -2519,7 +2575,7 @@
             <a:fld id="{BC4E9D1B-A194-48C6-B5A1-4C29D0F81227}" type="datetime1">
               <a:rPr lang="uk-UA" smtClean="0"/>
               <a:pPr/>
-              <a:t>08.02.2021</a:t>
+              <a:t>15.03.2021</a:t>
             </a:fld>
             <a:endParaRPr lang="uk-UA"/>
           </a:p>
@@ -2793,7 +2849,7 @@
             <a:fld id="{98DC5B78-3AEE-4E8C-84A2-DF8B252C6B7D}" type="datetime1">
               <a:rPr lang="uk-UA" smtClean="0"/>
               <a:pPr/>
-              <a:t>08.02.2021</a:t>
+              <a:t>15.03.2021</a:t>
             </a:fld>
             <a:endParaRPr lang="uk-UA"/>
           </a:p>
@@ -3043,7 +3099,7 @@
             <a:fld id="{08E6AC05-7690-4D29-B090-15CFA8055B58}" type="datetime1">
               <a:rPr lang="uk-UA" smtClean="0"/>
               <a:pPr/>
-              <a:t>08.02.2021</a:t>
+              <a:t>15.03.2021</a:t>
             </a:fld>
             <a:endParaRPr lang="uk-UA"/>
           </a:p>
@@ -3253,7 +3309,7 @@
             <a:fld id="{C4778AB5-85A2-4D58-9351-A198925B541D}" type="datetime1">
               <a:rPr lang="uk-UA" smtClean="0"/>
               <a:pPr/>
-              <a:t>08.02.2021</a:t>
+              <a:t>15.03.2021</a:t>
             </a:fld>
             <a:endParaRPr lang="uk-UA"/>
           </a:p>
@@ -4032,8 +4088,8 @@
         </p:nvSpPr>
         <p:spPr>
           <a:xfrm>
-            <a:off x="4151784" y="4523636"/>
-            <a:ext cx="6186312" cy="1569660"/>
+            <a:off x="4166562" y="4149080"/>
+            <a:ext cx="7042005" cy="1200329"/>
           </a:xfrm>
           <a:prstGeom prst="rect">
             <a:avLst/>
@@ -4107,7 +4163,7 @@
         </p:nvSpPr>
         <p:spPr>
           <a:xfrm>
-            <a:off x="4167315" y="2651428"/>
+            <a:off x="4167315" y="2348880"/>
             <a:ext cx="7122416" cy="1569660"/>
           </a:xfrm>
           <a:prstGeom prst="rect">
@@ -4187,7 +4243,7 @@
         </p:nvSpPr>
         <p:spPr>
           <a:xfrm>
-            <a:off x="4151784" y="1196752"/>
+            <a:off x="4167315" y="1052736"/>
             <a:ext cx="6840760" cy="1200329"/>
           </a:xfrm>
           <a:prstGeom prst="rect">
@@ -4212,6 +4268,73 @@
               <a:rPr lang="ru-RU" sz="2400" dirty="0"/>
               <a:t>». </a:t>
             </a:r>
+          </a:p>
+        </p:txBody>
+      </p:sp>
+      <p:sp>
+        <p:nvSpPr>
+          <p:cNvPr id="5" name="TextBox 4">
+            <a:extLst>
+              <a:ext uri="{FF2B5EF4-FFF2-40B4-BE49-F238E27FC236}">
+                <a16:creationId xmlns:a16="http://schemas.microsoft.com/office/drawing/2014/main" id="{FF1D8A7E-1BD3-490D-BD6A-3272323C9839}"/>
+              </a:ext>
+            </a:extLst>
+          </p:cNvPr>
+          <p:cNvSpPr txBox="1"/>
+          <p:nvPr/>
+        </p:nvSpPr>
+        <p:spPr>
+          <a:xfrm>
+            <a:off x="4170378" y="5497298"/>
+            <a:ext cx="4836709" cy="707886"/>
+          </a:xfrm>
+          <a:prstGeom prst="rect">
+            <a:avLst/>
+          </a:prstGeom>
+          <a:noFill/>
+        </p:spPr>
+        <p:txBody>
+          <a:bodyPr wrap="none" rtlCol="0">
+            <a:spAutoFit/>
+          </a:bodyPr>
+          <a:lstStyle/>
+          <a:p>
+            <a:r>
+              <a:rPr lang="ru-RU" sz="2000" dirty="0"/>
+              <a:t>Воспользуйтесь шаблоном в репозитории:</a:t>
+            </a:r>
+            <a:br>
+              <a:rPr lang="en-US" sz="2000" dirty="0"/>
+            </a:br>
+            <a:r>
+              <a:rPr lang="en-US" sz="2000" b="1" dirty="0">
+                <a:solidFill>
+                  <a:srgbClr val="00B050"/>
+                </a:solidFill>
+              </a:rPr>
+              <a:t>./</a:t>
+            </a:r>
+            <a:r>
+              <a:rPr lang="en-US" sz="2000" b="1" dirty="0" err="1">
+                <a:solidFill>
+                  <a:srgbClr val="00B050"/>
+                </a:solidFill>
+              </a:rPr>
+              <a:t>src</a:t>
+            </a:r>
+            <a:r>
+              <a:rPr lang="en-US" sz="2000" b="1" dirty="0">
+                <a:solidFill>
+                  <a:srgbClr val="00B050"/>
+                </a:solidFill>
+              </a:rPr>
+              <a:t>/viewport-template</a:t>
+            </a:r>
+            <a:endParaRPr lang="uk-UA" sz="2000" b="1" dirty="0">
+              <a:solidFill>
+                <a:srgbClr val="00B050"/>
+              </a:solidFill>
+            </a:endParaRPr>
           </a:p>
         </p:txBody>
       </p:sp>
